--- a/dissertation/pipeline3.pptx
+++ b/dissertation/pipeline3.pptx
@@ -104,6 +104,11 @@
       </a:defRPr>
     </a:lvl9pPr>
   </p:defaultTextStyle>
+  <p:extLst>
+    <p:ext uri="{EFAFB233-063F-42B5-8137-9DF3F51BA10A}">
+      <p15:sldGuideLst xmlns:p15="http://schemas.microsoft.com/office/powerpoint/2012/main"/>
+    </p:ext>
+  </p:extLst>
 </p:presentation>
 </file>
 
@@ -2966,7 +2971,7 @@
       </p:grpSpPr>
       <p:pic>
         <p:nvPicPr>
-          <p:cNvPr id="4" name="Picture 3"/>
+          <p:cNvPr id="24" name="Picture 23"/>
           <p:cNvPicPr>
             <a:picLocks noChangeAspect="1"/>
           </p:cNvPicPr>
@@ -2980,13 +2985,13 @@
               </a:ext>
             </a:extLst>
           </a:blip>
-          <a:srcRect l="35139" r="32639"/>
+          <a:srcRect l="68337" b="10508"/>
           <a:stretch/>
         </p:blipFill>
         <p:spPr>
           <a:xfrm>
-            <a:off x="5704881" y="1433833"/>
-            <a:ext cx="3928535" cy="3901440"/>
+            <a:off x="743915" y="3225569"/>
+            <a:ext cx="3860398" cy="3491450"/>
           </a:xfrm>
           <a:prstGeom prst="rect">
             <a:avLst/>
@@ -2995,7 +3000,7 @@
       </p:pic>
       <p:pic>
         <p:nvPicPr>
-          <p:cNvPr id="5" name="Picture 4"/>
+          <p:cNvPr id="22" name="Picture 21"/>
           <p:cNvPicPr>
             <a:picLocks noChangeAspect="1"/>
           </p:cNvPicPr>
@@ -3009,13 +3014,13 @@
               </a:ext>
             </a:extLst>
           </a:blip>
-          <a:srcRect r="66389"/>
+          <a:srcRect l="3082" r="67320" b="17001"/>
           <a:stretch/>
         </p:blipFill>
         <p:spPr>
           <a:xfrm>
-            <a:off x="649869" y="198218"/>
-            <a:ext cx="3742267" cy="3562885"/>
+            <a:off x="949434" y="66902"/>
+            <a:ext cx="3608615" cy="3238159"/>
           </a:xfrm>
           <a:prstGeom prst="rect">
             <a:avLst/>
@@ -3024,7 +3029,7 @@
       </p:pic>
       <p:pic>
         <p:nvPicPr>
-          <p:cNvPr id="6" name="Picture 5"/>
+          <p:cNvPr id="26" name="Picture 25"/>
           <p:cNvPicPr>
             <a:picLocks noChangeAspect="1"/>
           </p:cNvPicPr>
@@ -3038,13 +3043,13 @@
               </a:ext>
             </a:extLst>
           </a:blip>
-          <a:srcRect l="68056"/>
+          <a:srcRect l="36297" r="33972"/>
           <a:stretch/>
         </p:blipFill>
         <p:spPr>
           <a:xfrm>
-            <a:off x="844602" y="3261890"/>
-            <a:ext cx="3589867" cy="3596110"/>
+            <a:off x="5842010" y="1433833"/>
+            <a:ext cx="3624943" cy="3901440"/>
           </a:xfrm>
           <a:prstGeom prst="rect">
             <a:avLst/>
@@ -3104,7 +3109,7 @@
         </p:nvSpPr>
         <p:spPr>
           <a:xfrm>
-            <a:off x="1706136" y="198218"/>
+            <a:off x="1101351" y="218245"/>
             <a:ext cx="256478" cy="245327"/>
           </a:xfrm>
           <a:prstGeom prst="ellipse">
@@ -3162,7 +3167,7 @@
         </p:nvSpPr>
         <p:spPr>
           <a:xfrm>
-            <a:off x="1706136" y="3384553"/>
+            <a:off x="1101351" y="3384553"/>
             <a:ext cx="256478" cy="245327"/>
           </a:xfrm>
           <a:prstGeom prst="ellipse">
@@ -3407,8 +3412,8 @@
         </p:nvSpPr>
         <p:spPr>
           <a:xfrm>
-            <a:off x="2059052" y="218245"/>
-            <a:ext cx="2263698" cy="276999"/>
+            <a:off x="1424333" y="218245"/>
+            <a:ext cx="3115859" cy="276999"/>
           </a:xfrm>
           <a:prstGeom prst="rect">
             <a:avLst/>
@@ -3424,12 +3429,28 @@
           <a:lstStyle/>
           <a:p>
             <a:r>
+              <a:rPr lang="en-US" sz="1200" dirty="0">
+                <a:latin typeface="Helvetica" charset="0"/>
+                <a:ea typeface="Helvetica" charset="0"/>
+                <a:cs typeface="Helvetica" charset="0"/>
+              </a:rPr>
+              <a:t>Co-occurrence network at </a:t>
+            </a:r>
+            <a:r>
               <a:rPr lang="en-US" sz="1200" dirty="0" smtClean="0">
                 <a:latin typeface="Helvetica" charset="0"/>
                 <a:ea typeface="Helvetica" charset="0"/>
                 <a:cs typeface="Helvetica" charset="0"/>
               </a:rPr>
-              <a:t>Dry season network</a:t>
+              <a:t>low </a:t>
+            </a:r>
+            <a:r>
+              <a:rPr lang="en-US" sz="1200" dirty="0">
+                <a:latin typeface="Helvetica" charset="0"/>
+                <a:ea typeface="Helvetica" charset="0"/>
+                <a:cs typeface="Helvetica" charset="0"/>
+              </a:rPr>
+              <a:t>yield state </a:t>
             </a:r>
             <a:endParaRPr lang="en-US" sz="1200" dirty="0">
               <a:latin typeface="Helvetica" charset="0"/>
@@ -3447,8 +3468,8 @@
         </p:nvSpPr>
         <p:spPr>
           <a:xfrm>
-            <a:off x="1981612" y="3384553"/>
-            <a:ext cx="2263698" cy="276999"/>
+            <a:off x="1424333" y="3384553"/>
+            <a:ext cx="3115859" cy="276999"/>
           </a:xfrm>
           <a:prstGeom prst="rect">
             <a:avLst/>
@@ -3464,14 +3485,14 @@
           <a:lstStyle/>
           <a:p>
             <a:r>
-              <a:rPr lang="en-US" sz="1200" smtClean="0">
+              <a:rPr lang="en-US" sz="1200" dirty="0" smtClean="0">
                 <a:latin typeface="Helvetica" charset="0"/>
                 <a:ea typeface="Helvetica" charset="0"/>
                 <a:cs typeface="Helvetica" charset="0"/>
               </a:rPr>
-              <a:t>Wet season network</a:t>
-            </a:r>
-            <a:endParaRPr lang="en-US" sz="1200">
+              <a:t>Co-occurrence network at high yield state </a:t>
+            </a:r>
+            <a:endParaRPr lang="en-US" sz="1200" dirty="0">
               <a:latin typeface="Helvetica" charset="0"/>
               <a:ea typeface="Helvetica" charset="0"/>
               <a:cs typeface="Helvetica" charset="0"/>
@@ -3536,7 +3557,7 @@
           </a:prstGeom>
           <a:ln w="38100">
             <a:solidFill>
-              <a:srgbClr val="A45742"/>
+              <a:srgbClr val="AFAFAF"/>
             </a:solidFill>
           </a:ln>
         </p:spPr>
@@ -3555,41 +3576,6 @@
           </a:fontRef>
         </p:style>
       </p:cxnSp>
-      <p:cxnSp>
-        <p:nvCxnSpPr>
-          <p:cNvPr id="27" name="Straight Connector 26"/>
-          <p:cNvCxnSpPr/>
-          <p:nvPr/>
-        </p:nvCxnSpPr>
-        <p:spPr>
-          <a:xfrm flipV="1">
-            <a:off x="6663559" y="5443043"/>
-            <a:ext cx="614731" cy="10433"/>
-          </a:xfrm>
-          <a:prstGeom prst="line">
-            <a:avLst/>
-          </a:prstGeom>
-          <a:ln w="38100">
-            <a:solidFill>
-              <a:srgbClr val="5D6CA4"/>
-            </a:solidFill>
-          </a:ln>
-        </p:spPr>
-        <p:style>
-          <a:lnRef idx="1">
-            <a:schemeClr val="accent1"/>
-          </a:lnRef>
-          <a:fillRef idx="0">
-            <a:schemeClr val="accent1"/>
-          </a:fillRef>
-          <a:effectRef idx="0">
-            <a:schemeClr val="accent1"/>
-          </a:effectRef>
-          <a:fontRef idx="minor">
-            <a:schemeClr val="tx1"/>
-          </a:fontRef>
-        </p:style>
-      </p:cxnSp>
       <p:sp>
         <p:nvSpPr>
           <p:cNvPr id="28" name="TextBox 27"/>
@@ -3613,50 +3599,20 @@
           <a:lstStyle/>
           <a:p>
             <a:r>
-              <a:rPr lang="en-US" sz="1100" smtClean="0">
-                <a:latin typeface="Helvetica" charset="0"/>
-                <a:ea typeface="Helvetica" charset="0"/>
-                <a:cs typeface="Helvetica" charset="0"/>
-              </a:rPr>
-              <a:t>Differential relationship in dry season </a:t>
-            </a:r>
-            <a:endParaRPr lang="en-US" sz="1100" dirty="0">
-              <a:latin typeface="Helvetica" charset="0"/>
-              <a:ea typeface="Helvetica" charset="0"/>
-              <a:cs typeface="Helvetica" charset="0"/>
-            </a:endParaRPr>
-          </a:p>
-        </p:txBody>
-      </p:sp>
-      <p:sp>
-        <p:nvSpPr>
-          <p:cNvPr id="34" name="TextBox 33"/>
-          <p:cNvSpPr txBox="1"/>
-          <p:nvPr/>
-        </p:nvSpPr>
-        <p:spPr>
-          <a:xfrm>
-            <a:off x="7278290" y="5283030"/>
-            <a:ext cx="2767661" cy="261610"/>
-          </a:xfrm>
-          <a:prstGeom prst="rect">
-            <a:avLst/>
-          </a:prstGeom>
-          <a:noFill/>
-        </p:spPr>
-        <p:txBody>
-          <a:bodyPr wrap="square" rtlCol="0">
-            <a:spAutoFit/>
-          </a:bodyPr>
-          <a:lstStyle/>
-          <a:p>
-            <a:r>
               <a:rPr lang="en-US" sz="1100" dirty="0" smtClean="0">
                 <a:latin typeface="Helvetica" charset="0"/>
                 <a:ea typeface="Helvetica" charset="0"/>
                 <a:cs typeface="Helvetica" charset="0"/>
               </a:rPr>
-              <a:t>Differential relationship in wet season </a:t>
+              <a:t>Differential </a:t>
+            </a:r>
+            <a:r>
+              <a:rPr lang="en-US" sz="1100" dirty="0" smtClean="0">
+                <a:latin typeface="Helvetica" charset="0"/>
+                <a:ea typeface="Helvetica" charset="0"/>
+                <a:cs typeface="Helvetica" charset="0"/>
+              </a:rPr>
+              <a:t>co-occurrence</a:t>
             </a:r>
             <a:endParaRPr lang="en-US" sz="1100" dirty="0">
               <a:latin typeface="Helvetica" charset="0"/>
